--- a/images/articles/ict-git-fundamentals/image.pptx
+++ b/images/articles/ict-git-fundamentals/image.pptx
@@ -105,6 +105,11 @@
       </a:defRPr>
     </a:lvl9pPr>
   </p:defaultTextStyle>
+  <p:extLst>
+    <p:ext uri="{EFAFB233-063F-42B5-8137-9DF3F51BA10A}">
+      <p15:sldGuideLst xmlns:p15="http://schemas.microsoft.com/office/powerpoint/2012/main"/>
+    </p:ext>
+  </p:extLst>
 </p:presentation>
 </file>
 
@@ -1007,11 +1012,11 @@
                   </a:rPr>
                 </a:br>
                 <a:r>
-                  <a:rPr lang="ja-JP" altLang="en-US" b="1" dirty="0">
+                  <a:rPr lang="ja-JP" altLang="en-US" b="1">
                     <a:latin typeface="+mj-ea"/>
                     <a:ea typeface="+mj-ea"/>
                   </a:rPr>
-                  <a:t>切り替る</a:t>
+                  <a:t>切り替える</a:t>
                 </a:r>
                 <a:endParaRPr kumimoji="1" lang="ja-JP" altLang="en-US" b="1" dirty="0">
                   <a:latin typeface="+mj-ea"/>
